--- a/PM/Supplier announcement.pptx
+++ b/PM/Supplier announcement.pptx
@@ -6573,7 +6573,7 @@
                 <a:latin typeface="Sukhumvit Set Text" panose="02000506000000020004" pitchFamily="2" charset="-34"/>
                 <a:cs typeface="Sukhumvit Set Text" panose="02000506000000020004" pitchFamily="2" charset="-34"/>
               </a:rPr>
-              <a:t>Better meet the WBS.</a:t>
+              <a:t>More detailed information.</a:t>
             </a:r>
           </a:p>
         </p:txBody>
@@ -6725,7 +6725,7 @@
                 <a:latin typeface="Sukhumvit Set Text" panose="02000506000000020004" pitchFamily="2" charset="-34"/>
                 <a:cs typeface="Sukhumvit Set Text" panose="02000506000000020004" pitchFamily="2" charset="-34"/>
               </a:rPr>
-              <a:t>Doesn’t meet the proposed WBS.</a:t>
+              <a:t>No detailed information.</a:t>
             </a:r>
           </a:p>
           <a:p>
